--- a/排版素材/文章首图.pptx
+++ b/排版素材/文章首图.pptx
@@ -15,6 +15,9 @@
   </p:sldIdLst>
   <p:sldSz cx="12192000" cy="6858000"/>
   <p:notesSz cx="7103745" cy="10234295"/>
+  <p:custDataLst>
+    <p:tags r:id="rId9"/>
+  </p:custDataLst>
   <p:defaultTextStyle>
     <a:defPPr>
       <a:defRPr lang="zh-CN"/>
@@ -110,6 +113,22 @@
       </a:defRPr>
     </a:lvl9pPr>
   </p:defaultTextStyle>
+  <p:extLst>
+    <p:ext uri="{EFAFB233-063F-42B5-8137-9DF3F51BA10A}">
+      <p15:sldGuideLst xmlns:p15="http://schemas.microsoft.com/office/powerpoint/2012/main">
+        <p15:guide id="1" orient="horz" pos="2159" userDrawn="1">
+          <p15:clr>
+            <a:srgbClr val="A4A3A4"/>
+          </p15:clr>
+        </p15:guide>
+        <p15:guide id="2" pos="3840" userDrawn="1">
+          <p15:clr>
+            <a:srgbClr val="A4A3A4"/>
+          </p15:clr>
+        </p15:guide>
+      </p15:sldGuideLst>
+    </p:ext>
+  </p:extLst>
 </p:presentation>
 </file>
 
@@ -3636,17 +3655,25 @@
                     <a:schemeClr val="tx1"/>
                   </a:solidFill>
                 </a:rPr>
-                <a:t>      Python</a:t>
+                <a:t>      </a:t>
               </a:r>
               <a:r>
-                <a:rPr lang="zh-CN" altLang="en-US" sz="2700" b="1">
+                <a:rPr lang="en-US" altLang="zh-CN" sz="2400" b="1">
                   <a:solidFill>
                     <a:schemeClr val="tx1"/>
                   </a:solidFill>
                 </a:rPr>
-                <a:t>知识学堂</a:t>
+                <a:t>Python</a:t>
               </a:r>
-              <a:endParaRPr lang="zh-CN" altLang="en-US" sz="2700" b="1">
+              <a:r>
+                <a:rPr lang="zh-CN" altLang="en-US" sz="2400" b="1">
+                  <a:solidFill>
+                    <a:schemeClr val="tx1"/>
+                  </a:solidFill>
+                </a:rPr>
+                <a:t>机器学习算法实践</a:t>
+              </a:r>
+              <a:endParaRPr lang="zh-CN" altLang="en-US" sz="2400" b="1">
                 <a:solidFill>
                   <a:schemeClr val="tx1"/>
                 </a:solidFill>
@@ -3685,6 +3712,12 @@
     <a:masterClrMapping/>
   </p:clrMapOvr>
 </p:sld>
+</file>
+
+<file path=ppt/tags/tag1.xml><?xml version="1.0" encoding="utf-8"?>
+<p:tagLst xmlns:p="http://schemas.openxmlformats.org/presentationml/2006/main">
+  <p:tag name="commondata" val="eyJoZGlkIjoiZTNmMGY2MDM4ZWQ0YzE2MWU5Y2FkZjZiYjJmODk0YWUifQ=="/>
+</p:tagLst>
 </file>
 
 <file path=ppt/theme/theme1.xml><?xml version="1.0" encoding="utf-8"?>
